--- a/Presentaciones/SmartCampus_Final.pptx
+++ b/Presentaciones/SmartCampus_Final.pptx
@@ -553,7 +553,7 @@
     </p:spTree>
     <p:extLst>
       <p:ext uri="{BB962C8B-B14F-4D97-AF65-F5344CB8AC3E}">
-        <p14:creationId xmlns="" xmlns:p14="http://schemas.microsoft.com/office/powerpoint/2010/main" val="1681692777"/>
+        <p14:creationId xmlns:p14="http://schemas.microsoft.com/office/powerpoint/2010/main" xmlns="" val="1681692777"/>
       </p:ext>
     </p:extLst>
   </p:cSld>
@@ -642,7 +642,7 @@
     </p:spTree>
     <p:extLst>
       <p:ext uri="{BB962C8B-B14F-4D97-AF65-F5344CB8AC3E}">
-        <p14:creationId xmlns="" xmlns:p14="http://schemas.microsoft.com/office/powerpoint/2010/main" val="1025202362"/>
+        <p14:creationId xmlns:p14="http://schemas.microsoft.com/office/powerpoint/2010/main" xmlns="" val="1025202362"/>
       </p:ext>
     </p:extLst>
   </p:cSld>
@@ -731,7 +731,7 @@
     </p:spTree>
     <p:extLst>
       <p:ext uri="{BB962C8B-B14F-4D97-AF65-F5344CB8AC3E}">
-        <p14:creationId xmlns="" xmlns:p14="http://schemas.microsoft.com/office/powerpoint/2010/main" val="1350490027"/>
+        <p14:creationId xmlns:p14="http://schemas.microsoft.com/office/powerpoint/2010/main" xmlns="" val="1350490027"/>
       </p:ext>
     </p:extLst>
   </p:cSld>
@@ -820,7 +820,7 @@
     </p:spTree>
     <p:extLst>
       <p:ext uri="{BB962C8B-B14F-4D97-AF65-F5344CB8AC3E}">
-        <p14:creationId xmlns="" xmlns:p14="http://schemas.microsoft.com/office/powerpoint/2010/main" val="783368690"/>
+        <p14:creationId xmlns:p14="http://schemas.microsoft.com/office/powerpoint/2010/main" xmlns="" val="783368690"/>
       </p:ext>
     </p:extLst>
   </p:cSld>
@@ -909,7 +909,7 @@
     </p:spTree>
     <p:extLst>
       <p:ext uri="{BB962C8B-B14F-4D97-AF65-F5344CB8AC3E}">
-        <p14:creationId xmlns="" xmlns:p14="http://schemas.microsoft.com/office/powerpoint/2010/main" val="1102520059"/>
+        <p14:creationId xmlns:p14="http://schemas.microsoft.com/office/powerpoint/2010/main" xmlns="" val="1102520059"/>
       </p:ext>
     </p:extLst>
   </p:cSld>
@@ -998,7 +998,7 @@
     </p:spTree>
     <p:extLst>
       <p:ext uri="{BB962C8B-B14F-4D97-AF65-F5344CB8AC3E}">
-        <p14:creationId xmlns="" xmlns:p14="http://schemas.microsoft.com/office/powerpoint/2010/main" val="2044897763"/>
+        <p14:creationId xmlns:p14="http://schemas.microsoft.com/office/powerpoint/2010/main" xmlns="" val="2044897763"/>
       </p:ext>
     </p:extLst>
   </p:cSld>
@@ -1087,7 +1087,7 @@
     </p:spTree>
     <p:extLst>
       <p:ext uri="{BB962C8B-B14F-4D97-AF65-F5344CB8AC3E}">
-        <p14:creationId xmlns="" xmlns:p14="http://schemas.microsoft.com/office/powerpoint/2010/main" val="1714636915"/>
+        <p14:creationId xmlns:p14="http://schemas.microsoft.com/office/powerpoint/2010/main" xmlns="" val="1714636915"/>
       </p:ext>
     </p:extLst>
   </p:cSld>
@@ -1176,7 +1176,7 @@
     </p:spTree>
     <p:extLst>
       <p:ext uri="{BB962C8B-B14F-4D97-AF65-F5344CB8AC3E}">
-        <p14:creationId xmlns="" xmlns:p14="http://schemas.microsoft.com/office/powerpoint/2010/main" val="1957747793"/>
+        <p14:creationId xmlns:p14="http://schemas.microsoft.com/office/powerpoint/2010/main" xmlns="" val="1957747793"/>
       </p:ext>
     </p:extLst>
   </p:cSld>
@@ -1265,7 +1265,7 @@
     </p:spTree>
     <p:extLst>
       <p:ext uri="{BB962C8B-B14F-4D97-AF65-F5344CB8AC3E}">
-        <p14:creationId xmlns="" xmlns:p14="http://schemas.microsoft.com/office/powerpoint/2010/main" val="1957747793"/>
+        <p14:creationId xmlns:p14="http://schemas.microsoft.com/office/powerpoint/2010/main" xmlns="" val="1957747793"/>
       </p:ext>
     </p:extLst>
   </p:cSld>
@@ -1354,7 +1354,7 @@
     </p:spTree>
     <p:extLst>
       <p:ext uri="{BB962C8B-B14F-4D97-AF65-F5344CB8AC3E}">
-        <p14:creationId xmlns="" xmlns:p14="http://schemas.microsoft.com/office/powerpoint/2010/main" val="424238335"/>
+        <p14:creationId xmlns:p14="http://schemas.microsoft.com/office/powerpoint/2010/main" xmlns="" val="424238335"/>
       </p:ext>
     </p:extLst>
   </p:cSld>
@@ -1443,7 +1443,7 @@
     </p:spTree>
     <p:extLst>
       <p:ext uri="{BB962C8B-B14F-4D97-AF65-F5344CB8AC3E}">
-        <p14:creationId xmlns="" xmlns:p14="http://schemas.microsoft.com/office/powerpoint/2010/main" val="719885386"/>
+        <p14:creationId xmlns:p14="http://schemas.microsoft.com/office/powerpoint/2010/main" xmlns="" val="719885386"/>
       </p:ext>
     </p:extLst>
   </p:cSld>
@@ -1532,7 +1532,7 @@
     </p:spTree>
     <p:extLst>
       <p:ext uri="{BB962C8B-B14F-4D97-AF65-F5344CB8AC3E}">
-        <p14:creationId xmlns="" xmlns:p14="http://schemas.microsoft.com/office/powerpoint/2010/main" val="1649760492"/>
+        <p14:creationId xmlns:p14="http://schemas.microsoft.com/office/powerpoint/2010/main" xmlns="" val="1649760492"/>
       </p:ext>
     </p:extLst>
   </p:cSld>
@@ -1621,7 +1621,7 @@
     </p:spTree>
     <p:extLst>
       <p:ext uri="{BB962C8B-B14F-4D97-AF65-F5344CB8AC3E}">
-        <p14:creationId xmlns="" xmlns:p14="http://schemas.microsoft.com/office/powerpoint/2010/main" val="1189641421"/>
+        <p14:creationId xmlns:p14="http://schemas.microsoft.com/office/powerpoint/2010/main" xmlns="" val="1189641421"/>
       </p:ext>
     </p:extLst>
   </p:cSld>
@@ -1710,7 +1710,7 @@
     </p:spTree>
     <p:extLst>
       <p:ext uri="{BB962C8B-B14F-4D97-AF65-F5344CB8AC3E}">
-        <p14:creationId xmlns="" xmlns:p14="http://schemas.microsoft.com/office/powerpoint/2010/main" val="596516649"/>
+        <p14:creationId xmlns:p14="http://schemas.microsoft.com/office/powerpoint/2010/main" xmlns="" val="596516649"/>
       </p:ext>
     </p:extLst>
   </p:cSld>
@@ -5389,7 +5389,7 @@
     </p:spTree>
     <p:extLst>
       <p:ext uri="{BB962C8B-B14F-4D97-AF65-F5344CB8AC3E}">
-        <p14:creationId xmlns="" xmlns:p14="http://schemas.microsoft.com/office/powerpoint/2010/main" val="756898537"/>
+        <p14:creationId xmlns:p14="http://schemas.microsoft.com/office/powerpoint/2010/main" xmlns="" val="756898537"/>
       </p:ext>
     </p:extLst>
   </p:cSld>
@@ -6032,7 +6032,7 @@
           <a:blip r:embed="rId3" cstate="print">
             <a:extLst>
               <a:ext uri="{28A0092B-C50C-407E-A947-70E740481C1C}">
-                <a14:useLocalDpi xmlns="" xmlns:a14="http://schemas.microsoft.com/office/drawing/2010/main" val="0"/>
+                <a14:useLocalDpi xmlns:a14="http://schemas.microsoft.com/office/drawing/2010/main" xmlns="" val="0"/>
               </a:ext>
             </a:extLst>
           </a:blip>
@@ -7088,8 +7088,8 @@
         </p:nvSpPr>
         <p:spPr>
           <a:xfrm>
-            <a:off x="323528" y="3302402"/>
-            <a:ext cx="8496944" cy="2646878"/>
+            <a:off x="539552" y="3302402"/>
+            <a:ext cx="8280920" cy="2646878"/>
           </a:xfrm>
           <a:prstGeom prst="rect">
             <a:avLst/>
@@ -7479,8 +7479,8 @@
         </p:nvSpPr>
         <p:spPr>
           <a:xfrm>
-            <a:off x="539552" y="2000448"/>
-            <a:ext cx="8064896" cy="4308872"/>
+            <a:off x="611560" y="2337261"/>
+            <a:ext cx="8064896" cy="3323987"/>
           </a:xfrm>
           <a:prstGeom prst="rect">
             <a:avLst/>
@@ -7504,14 +7504,7 @@
                 <a:latin typeface="Roboto" pitchFamily="2" charset="0"/>
                 <a:ea typeface="Roboto" pitchFamily="2" charset="0"/>
               </a:rPr>
-              <a:t>Se </a:t>
-            </a:r>
-            <a:r>
-              <a:rPr lang="es-ES" dirty="0" smtClean="0">
-                <a:latin typeface="Roboto" pitchFamily="2" charset="0"/>
-                <a:ea typeface="Roboto" pitchFamily="2" charset="0"/>
-              </a:rPr>
-              <a:t>usan adecuadamente estos conceptos de diseño dirigido por el dominio: entidades, objetos valor, agregados, factorías y repositorios.</a:t>
+              <a:t>Se usan adecuadamente estos conceptos de diseño dirigido por el dominio: entidades, objetos valor, agregados, factorías y repositorios.</a:t>
             </a:r>
           </a:p>
           <a:p>
@@ -7609,29 +7602,6 @@
                 <a:ea typeface="Roboto" pitchFamily="2" charset="0"/>
               </a:rPr>
               <a:t>.</a:t>
-            </a:r>
-          </a:p>
-          <a:p>
-            <a:pPr algn="just">
-              <a:spcAft>
-                <a:spcPts val="1200"/>
-              </a:spcAft>
-              <a:buFont typeface="Arial" pitchFamily="34" charset="0"/>
-              <a:buChar char="•"/>
-            </a:pPr>
-            <a:r>
-              <a:rPr lang="es-ES" dirty="0" smtClean="0">
-                <a:latin typeface="Roboto" pitchFamily="2" charset="0"/>
-                <a:ea typeface="Roboto" pitchFamily="2" charset="0"/>
-              </a:rPr>
-              <a:t>El modelo de dominio utiliza adecuadamente estos conceptos de diseño (dirigido por el dominio): servicios, paquetes, interfaces reveladoras, aserciones, funciones libres de efectos </a:t>
-            </a:r>
-            <a:r>
-              <a:rPr lang="es-ES" dirty="0" smtClean="0">
-                <a:latin typeface="Roboto" pitchFamily="2" charset="0"/>
-                <a:ea typeface="Roboto" pitchFamily="2" charset="0"/>
-              </a:rPr>
-              <a:t>secundarios.</a:t>
             </a:r>
             <a:endParaRPr lang="es-ES" dirty="0" smtClean="0">
               <a:latin typeface="Roboto" pitchFamily="2" charset="0"/>
@@ -7923,7 +7893,7 @@
         </p:nvSpPr>
         <p:spPr>
           <a:xfrm>
-            <a:off x="611560" y="2266414"/>
+            <a:off x="611560" y="2204864"/>
             <a:ext cx="7992888" cy="3754874"/>
           </a:xfrm>
           <a:prstGeom prst="rect">
@@ -7955,7 +7925,7 @@
                 <a:latin typeface="Roboto" pitchFamily="2" charset="0"/>
                 <a:ea typeface="Roboto" pitchFamily="2" charset="0"/>
               </a:rPr>
-              <a:t>estilo cartográfico de los edificios en el servicio de tipo WMS refleja el tipo de uso de cada espacio (por ejemplo, los laboratorios de un color, los despachos de otro, etc.)</a:t>
+              <a:t>modelo de dominio utiliza adecuadamente estos conceptos de diseño (dirigido por el dominio): servicios, paquetes, interfaces reveladoras, aserciones, funciones libres de efectos secundarios.</a:t>
             </a:r>
           </a:p>
           <a:p>
@@ -7971,19 +7941,15 @@
                 <a:latin typeface="Roboto" pitchFamily="2" charset="0"/>
                 <a:ea typeface="Roboto" pitchFamily="2" charset="0"/>
               </a:rPr>
-              <a:t>El modelo de dominio incluye alguna restricción o especificación correctamente implementada, y ésta se utiliza en alguna funcionalidad de la </a:t>
+              <a:t>El </a:t>
             </a:r>
             <a:r>
               <a:rPr lang="es-ES" dirty="0" smtClean="0">
                 <a:latin typeface="Roboto" pitchFamily="2" charset="0"/>
                 <a:ea typeface="Roboto" pitchFamily="2" charset="0"/>
               </a:rPr>
-              <a:t>aplicación.</a:t>
-            </a:r>
-            <a:endParaRPr lang="es-ES" dirty="0" smtClean="0">
-              <a:latin typeface="Roboto" pitchFamily="2" charset="0"/>
-              <a:ea typeface="Roboto" pitchFamily="2" charset="0"/>
-            </a:endParaRPr>
+              <a:t>estilo cartográfico de los edificios en el servicio de tipo WMS refleja el tipo de uso de cada espacio (por ejemplo, los laboratorios de un color, los despachos de otro, etc.)</a:t>
+            </a:r>
           </a:p>
           <a:p>
             <a:pPr algn="just">
@@ -7998,14 +7964,7 @@
                 <a:latin typeface="Roboto" pitchFamily="2" charset="0"/>
                 <a:ea typeface="Roboto" pitchFamily="2" charset="0"/>
               </a:rPr>
-              <a:t>La arquitectura del sistema es </a:t>
-            </a:r>
-            <a:r>
-              <a:rPr lang="es-ES" dirty="0" smtClean="0">
-                <a:latin typeface="Roboto" pitchFamily="2" charset="0"/>
-                <a:ea typeface="Roboto" pitchFamily="2" charset="0"/>
-              </a:rPr>
-              <a:t>hexagonal.</a:t>
+              <a:t>El modelo de dominio incluye alguna restricción o especificación correctamente implementada, y ésta se utiliza en alguna funcionalidad de la aplicación.</a:t>
             </a:r>
           </a:p>
           <a:p>
@@ -8021,21 +7980,14 @@
                 <a:latin typeface="Roboto" pitchFamily="2" charset="0"/>
                 <a:ea typeface="Roboto" pitchFamily="2" charset="0"/>
               </a:rPr>
-              <a:t>La </a:t>
+              <a:t>La arquitectura del sistema es hexagonal</a:t>
             </a:r>
             <a:r>
               <a:rPr lang="es-ES" dirty="0" smtClean="0">
                 <a:latin typeface="Roboto" pitchFamily="2" charset="0"/>
                 <a:ea typeface="Roboto" pitchFamily="2" charset="0"/>
               </a:rPr>
-              <a:t>aplicación permite hacer algún tipo de consulta que podamos clasificar como “Análisis SIG” y esto se documenta adecuadamente, haciendo referencia a conceptos vistos en </a:t>
-            </a:r>
-            <a:r>
-              <a:rPr lang="es-ES" dirty="0" smtClean="0">
-                <a:latin typeface="Roboto" pitchFamily="2" charset="0"/>
-                <a:ea typeface="Roboto" pitchFamily="2" charset="0"/>
-              </a:rPr>
-              <a:t>teoría.</a:t>
+              <a:t>.</a:t>
             </a:r>
             <a:endParaRPr lang="es-ES" dirty="0" smtClean="0">
               <a:latin typeface="Roboto" pitchFamily="2" charset="0"/>
@@ -8055,19 +8007,8 @@
                 <a:latin typeface="Roboto" pitchFamily="2" charset="0"/>
                 <a:ea typeface="Roboto" pitchFamily="2" charset="0"/>
               </a:rPr>
-              <a:t>El servicio de mapas WMS se ha teselado, y se usa así desde </a:t>
-            </a:r>
-            <a:r>
-              <a:rPr lang="es-ES" dirty="0" smtClean="0">
-                <a:latin typeface="Roboto" pitchFamily="2" charset="0"/>
-                <a:ea typeface="Roboto" pitchFamily="2" charset="0"/>
-              </a:rPr>
-              <a:t>el cliente.</a:t>
-            </a:r>
-            <a:endParaRPr lang="es-ES" dirty="0" smtClean="0">
-              <a:latin typeface="Roboto" pitchFamily="2" charset="0"/>
-              <a:ea typeface="Roboto" pitchFamily="2" charset="0"/>
-            </a:endParaRPr>
+              <a:t>El servicio de mapas WMS se ha teselado, y se usa así desde el cliente.</a:t>
+            </a:r>
           </a:p>
         </p:txBody>
       </p:sp>
@@ -8846,8 +8787,8 @@
         </p:nvSpPr>
         <p:spPr>
           <a:xfrm>
-            <a:off x="467544" y="2060848"/>
-            <a:ext cx="8496000" cy="4093428"/>
+            <a:off x="467544" y="2245509"/>
+            <a:ext cx="8496000" cy="3631763"/>
           </a:xfrm>
           <a:prstGeom prst="rect">
             <a:avLst/>
@@ -8983,24 +8924,19 @@
                 <a:latin typeface="Roboto" pitchFamily="2" charset="0"/>
                 <a:ea typeface="Roboto" pitchFamily="2" charset="0"/>
               </a:rPr>
-              <a:t>Funcionalidades de los espacios y edificios (cerrar puertas, ventanas…).</a:t>
-            </a:r>
-          </a:p>
-          <a:p>
-            <a:pPr lvl="0" algn="just">
-              <a:spcAft>
-                <a:spcPts val="1200"/>
-              </a:spcAft>
-              <a:buFont typeface="Arial" pitchFamily="34" charset="0"/>
-              <a:buChar char="•"/>
-            </a:pPr>
+              <a:t>Funcionalidades de los espacios y edificios (cerrar puertas, ventanas</a:t>
+            </a:r>
             <a:r>
               <a:rPr lang="es-ES" sz="2000" dirty="0" smtClean="0">
                 <a:latin typeface="Roboto" pitchFamily="2" charset="0"/>
                 <a:ea typeface="Roboto" pitchFamily="2" charset="0"/>
               </a:rPr>
-              <a:t>Buscador de puntos de interés.</a:t>
-            </a:r>
+              <a:t>…).</a:t>
+            </a:r>
+            <a:endParaRPr lang="es-ES" sz="2000" dirty="0" smtClean="0">
+              <a:latin typeface="Roboto" pitchFamily="2" charset="0"/>
+              <a:ea typeface="Roboto" pitchFamily="2" charset="0"/>
+            </a:endParaRPr>
           </a:p>
         </p:txBody>
       </p:sp>
@@ -9288,7 +9224,7 @@
           <p:nvPr>
             <p:extLst>
               <p:ext uri="{D42A27DB-BD31-4B8C-83A1-F6EECF244321}">
-                <p14:modId xmlns="" xmlns:p14="http://schemas.microsoft.com/office/powerpoint/2010/main" val="855636226"/>
+                <p14:modId xmlns:p14="http://schemas.microsoft.com/office/powerpoint/2010/main" xmlns="" val="855636226"/>
               </p:ext>
             </p:extLst>
           </p:nvPr>
